--- a/docs/Logo-Prime.pptx
+++ b/docs/Logo-Prime.pptx
@@ -104,7 +104,129 @@
       </a:defRPr>
     </a:lvl9pPr>
   </p:defaultTextStyle>
+  <p:extLst>
+    <p:ext uri="{EFAFB233-063F-42B5-8137-9DF3F51BA10A}">
+      <p15:sldGuideLst xmlns:p15="http://schemas.microsoft.com/office/powerpoint/2012/main"/>
+    </p:ext>
+  </p:extLst>
 </p:presentation>
+</file>
+
+<file path=ppt/revisionInfo.xml><?xml version="1.0" encoding="utf-8"?>
+<p1510:revInfo xmlns:a="http://schemas.openxmlformats.org/drawingml/2006/main" xmlns:r="http://schemas.openxmlformats.org/officeDocument/2006/relationships" xmlns:p1510="http://schemas.microsoft.com/office/powerpoint/2015/10/main">
+  <p1510:revLst>
+    <p1510:client id="{99440942-C4BF-4896-B07D-9A5AF79E90C7}" v="3" dt="2023-12-06T19:03:08.349"/>
+  </p1510:revLst>
+</p1510:revInfo>
+</file>
+
+<file path=ppt/changesInfos/changesInfo1.xml><?xml version="1.0" encoding="utf-8"?>
+<pc:chgInfo xmlns:a="http://schemas.openxmlformats.org/drawingml/2006/main" xmlns:r="http://schemas.openxmlformats.org/officeDocument/2006/relationships" xmlns:ac="http://schemas.microsoft.com/office/drawing/2013/main/command" xmlns:pc="http://schemas.microsoft.com/office/powerpoint/2013/main/command">
+  <pc:docChgLst>
+    <pc:chgData name="Jochen Unger" userId="dc0c6e6fd041d2f4" providerId="LiveId" clId="{99440942-C4BF-4896-B07D-9A5AF79E90C7}"/>
+    <pc:docChg chg="undo custSel modSld">
+      <pc:chgData name="Jochen Unger" userId="dc0c6e6fd041d2f4" providerId="LiveId" clId="{99440942-C4BF-4896-B07D-9A5AF79E90C7}" dt="2023-12-06T19:05:38.110" v="151" actId="207"/>
+      <pc:docMkLst>
+        <pc:docMk/>
+      </pc:docMkLst>
+      <pc:sldChg chg="addSp delSp modSp mod">
+        <pc:chgData name="Jochen Unger" userId="dc0c6e6fd041d2f4" providerId="LiveId" clId="{99440942-C4BF-4896-B07D-9A5AF79E90C7}" dt="2023-12-06T19:05:38.110" v="151" actId="207"/>
+        <pc:sldMkLst>
+          <pc:docMk/>
+          <pc:sldMk cId="3653744830" sldId="256"/>
+        </pc:sldMkLst>
+        <pc:spChg chg="add mod ord">
+          <ac:chgData name="Jochen Unger" userId="dc0c6e6fd041d2f4" providerId="LiveId" clId="{99440942-C4BF-4896-B07D-9A5AF79E90C7}" dt="2023-12-06T18:58:46.775" v="76" actId="14100"/>
+          <ac:spMkLst>
+            <pc:docMk/>
+            <pc:sldMk cId="3653744830" sldId="256"/>
+            <ac:spMk id="4" creationId="{29C679AC-FCDC-FA2A-EA2D-70C56702404B}"/>
+          </ac:spMkLst>
+        </pc:spChg>
+        <pc:spChg chg="mod">
+          <ac:chgData name="Jochen Unger" userId="dc0c6e6fd041d2f4" providerId="LiveId" clId="{99440942-C4BF-4896-B07D-9A5AF79E90C7}" dt="2023-12-06T19:05:38.110" v="151" actId="207"/>
+          <ac:spMkLst>
+            <pc:docMk/>
+            <pc:sldMk cId="3653744830" sldId="256"/>
+            <ac:spMk id="7" creationId="{E1247DBD-ED22-8DA2-8091-F5F34D1F2988}"/>
+          </ac:spMkLst>
+        </pc:spChg>
+        <pc:spChg chg="mod">
+          <ac:chgData name="Jochen Unger" userId="dc0c6e6fd041d2f4" providerId="LiveId" clId="{99440942-C4BF-4896-B07D-9A5AF79E90C7}" dt="2023-12-06T19:05:38.110" v="151" actId="207"/>
+          <ac:spMkLst>
+            <pc:docMk/>
+            <pc:sldMk cId="3653744830" sldId="256"/>
+            <ac:spMk id="8" creationId="{B01131E4-6956-E20A-EF25-7FA904A966C0}"/>
+          </ac:spMkLst>
+        </pc:spChg>
+        <pc:spChg chg="mod">
+          <ac:chgData name="Jochen Unger" userId="dc0c6e6fd041d2f4" providerId="LiveId" clId="{99440942-C4BF-4896-B07D-9A5AF79E90C7}" dt="2023-12-06T19:05:38.110" v="151" actId="207"/>
+          <ac:spMkLst>
+            <pc:docMk/>
+            <pc:sldMk cId="3653744830" sldId="256"/>
+            <ac:spMk id="10" creationId="{B5DA91F0-B8AB-19EE-BF08-4DB6BF855F9F}"/>
+          </ac:spMkLst>
+        </pc:spChg>
+        <pc:spChg chg="mod">
+          <ac:chgData name="Jochen Unger" userId="dc0c6e6fd041d2f4" providerId="LiveId" clId="{99440942-C4BF-4896-B07D-9A5AF79E90C7}" dt="2023-12-06T18:56:28.198" v="41" actId="1076"/>
+          <ac:spMkLst>
+            <pc:docMk/>
+            <pc:sldMk cId="3653744830" sldId="256"/>
+            <ac:spMk id="11" creationId="{89F8725F-E068-974C-0875-23D3EC73EE05}"/>
+          </ac:spMkLst>
+        </pc:spChg>
+        <pc:spChg chg="add mod">
+          <ac:chgData name="Jochen Unger" userId="dc0c6e6fd041d2f4" providerId="LiveId" clId="{99440942-C4BF-4896-B07D-9A5AF79E90C7}" dt="2023-12-06T19:02:31.493" v="103" actId="255"/>
+          <ac:spMkLst>
+            <pc:docMk/>
+            <pc:sldMk cId="3653744830" sldId="256"/>
+            <ac:spMk id="14" creationId="{2F836C5E-84AF-C32B-10B2-24E3C508D7E4}"/>
+          </ac:spMkLst>
+        </pc:spChg>
+        <pc:grpChg chg="mod">
+          <ac:chgData name="Jochen Unger" userId="dc0c6e6fd041d2f4" providerId="LiveId" clId="{99440942-C4BF-4896-B07D-9A5AF79E90C7}" dt="2023-12-06T19:04:12.463" v="148" actId="14100"/>
+          <ac:grpSpMkLst>
+            <pc:docMk/>
+            <pc:sldMk cId="3653744830" sldId="256"/>
+            <ac:grpSpMk id="6" creationId="{C56B0522-30E9-5040-03CE-A9D20B031E6F}"/>
+          </ac:grpSpMkLst>
+        </pc:grpChg>
+        <pc:picChg chg="add del mod">
+          <ac:chgData name="Jochen Unger" userId="dc0c6e6fd041d2f4" providerId="LiveId" clId="{99440942-C4BF-4896-B07D-9A5AF79E90C7}" dt="2023-12-06T19:03:01.605" v="104" actId="478"/>
+          <ac:picMkLst>
+            <pc:docMk/>
+            <pc:sldMk cId="3653744830" sldId="256"/>
+            <ac:picMk id="3" creationId="{D8DD2D59-2C82-4140-0F25-8516D15314B6}"/>
+          </ac:picMkLst>
+        </pc:picChg>
+        <pc:picChg chg="add del mod">
+          <ac:chgData name="Jochen Unger" userId="dc0c6e6fd041d2f4" providerId="LiveId" clId="{99440942-C4BF-4896-B07D-9A5AF79E90C7}" dt="2023-12-06T18:58:39.107" v="74" actId="478"/>
+          <ac:picMkLst>
+            <pc:docMk/>
+            <pc:sldMk cId="3653744830" sldId="256"/>
+            <ac:picMk id="12" creationId="{334A032E-1579-DA12-0267-2DA05CF93CBE}"/>
+          </ac:picMkLst>
+        </pc:picChg>
+        <pc:picChg chg="del">
+          <ac:chgData name="Jochen Unger" userId="dc0c6e6fd041d2f4" providerId="LiveId" clId="{99440942-C4BF-4896-B07D-9A5AF79E90C7}" dt="2023-12-06T18:54:22.903" v="7" actId="478"/>
+          <ac:picMkLst>
+            <pc:docMk/>
+            <pc:sldMk cId="3653744830" sldId="256"/>
+            <ac:picMk id="13" creationId="{7562A685-3551-54D8-23D2-0FAAA9C59327}"/>
+          </ac:picMkLst>
+        </pc:picChg>
+        <pc:picChg chg="add mod">
+          <ac:chgData name="Jochen Unger" userId="dc0c6e6fd041d2f4" providerId="LiveId" clId="{99440942-C4BF-4896-B07D-9A5AF79E90C7}" dt="2023-12-06T19:03:26.155" v="110" actId="1076"/>
+          <ac:picMkLst>
+            <pc:docMk/>
+            <pc:sldMk cId="3653744830" sldId="256"/>
+            <ac:picMk id="16" creationId="{30A8D2D8-9DDE-9C10-4E5D-365566715F25}"/>
+          </ac:picMkLst>
+        </pc:picChg>
+      </pc:sldChg>
+    </pc:docChg>
+  </pc:docChgLst>
+</pc:chgInfo>
 </file>
 
 <file path=ppt/slideLayouts/slideLayout1.xml><?xml version="1.0" encoding="utf-8"?>
@@ -254,7 +376,7 @@
           <a:p>
             <a:fld id="{0AE7A1A8-E943-4E02-9AC9-316A19AB2921}" type="datetimeFigureOut">
               <a:rPr lang="de-DE" smtClean="0"/>
-              <a:t>29.11.2023</a:t>
+              <a:t>06.12.2023</a:t>
             </a:fld>
             <a:endParaRPr lang="de-DE"/>
           </a:p>
@@ -452,7 +574,7 @@
           <a:p>
             <a:fld id="{0AE7A1A8-E943-4E02-9AC9-316A19AB2921}" type="datetimeFigureOut">
               <a:rPr lang="de-DE" smtClean="0"/>
-              <a:t>29.11.2023</a:t>
+              <a:t>06.12.2023</a:t>
             </a:fld>
             <a:endParaRPr lang="de-DE"/>
           </a:p>
@@ -660,7 +782,7 @@
           <a:p>
             <a:fld id="{0AE7A1A8-E943-4E02-9AC9-316A19AB2921}" type="datetimeFigureOut">
               <a:rPr lang="de-DE" smtClean="0"/>
-              <a:t>29.11.2023</a:t>
+              <a:t>06.12.2023</a:t>
             </a:fld>
             <a:endParaRPr lang="de-DE"/>
           </a:p>
@@ -858,7 +980,7 @@
           <a:p>
             <a:fld id="{0AE7A1A8-E943-4E02-9AC9-316A19AB2921}" type="datetimeFigureOut">
               <a:rPr lang="de-DE" smtClean="0"/>
-              <a:t>29.11.2023</a:t>
+              <a:t>06.12.2023</a:t>
             </a:fld>
             <a:endParaRPr lang="de-DE"/>
           </a:p>
@@ -1133,7 +1255,7 @@
           <a:p>
             <a:fld id="{0AE7A1A8-E943-4E02-9AC9-316A19AB2921}" type="datetimeFigureOut">
               <a:rPr lang="de-DE" smtClean="0"/>
-              <a:t>29.11.2023</a:t>
+              <a:t>06.12.2023</a:t>
             </a:fld>
             <a:endParaRPr lang="de-DE"/>
           </a:p>
@@ -1398,7 +1520,7 @@
           <a:p>
             <a:fld id="{0AE7A1A8-E943-4E02-9AC9-316A19AB2921}" type="datetimeFigureOut">
               <a:rPr lang="de-DE" smtClean="0"/>
-              <a:t>29.11.2023</a:t>
+              <a:t>06.12.2023</a:t>
             </a:fld>
             <a:endParaRPr lang="de-DE"/>
           </a:p>
@@ -1810,7 +1932,7 @@
           <a:p>
             <a:fld id="{0AE7A1A8-E943-4E02-9AC9-316A19AB2921}" type="datetimeFigureOut">
               <a:rPr lang="de-DE" smtClean="0"/>
-              <a:t>29.11.2023</a:t>
+              <a:t>06.12.2023</a:t>
             </a:fld>
             <a:endParaRPr lang="de-DE"/>
           </a:p>
@@ -1951,7 +2073,7 @@
           <a:p>
             <a:fld id="{0AE7A1A8-E943-4E02-9AC9-316A19AB2921}" type="datetimeFigureOut">
               <a:rPr lang="de-DE" smtClean="0"/>
-              <a:t>29.11.2023</a:t>
+              <a:t>06.12.2023</a:t>
             </a:fld>
             <a:endParaRPr lang="de-DE"/>
           </a:p>
@@ -2064,7 +2186,7 @@
           <a:p>
             <a:fld id="{0AE7A1A8-E943-4E02-9AC9-316A19AB2921}" type="datetimeFigureOut">
               <a:rPr lang="de-DE" smtClean="0"/>
-              <a:t>29.11.2023</a:t>
+              <a:t>06.12.2023</a:t>
             </a:fld>
             <a:endParaRPr lang="de-DE"/>
           </a:p>
@@ -2375,7 +2497,7 @@
           <a:p>
             <a:fld id="{0AE7A1A8-E943-4E02-9AC9-316A19AB2921}" type="datetimeFigureOut">
               <a:rPr lang="de-DE" smtClean="0"/>
-              <a:t>29.11.2023</a:t>
+              <a:t>06.12.2023</a:t>
             </a:fld>
             <a:endParaRPr lang="de-DE"/>
           </a:p>
@@ -2663,7 +2785,7 @@
           <a:p>
             <a:fld id="{0AE7A1A8-E943-4E02-9AC9-316A19AB2921}" type="datetimeFigureOut">
               <a:rPr lang="de-DE" smtClean="0"/>
-              <a:t>29.11.2023</a:t>
+              <a:t>06.12.2023</a:t>
             </a:fld>
             <a:endParaRPr lang="de-DE"/>
           </a:p>
@@ -2904,7 +3026,7 @@
           <a:p>
             <a:fld id="{0AE7A1A8-E943-4E02-9AC9-316A19AB2921}" type="datetimeFigureOut">
               <a:rPr lang="de-DE" smtClean="0"/>
-              <a:t>29.11.2023</a:t>
+              <a:t>06.12.2023</a:t>
             </a:fld>
             <a:endParaRPr lang="de-DE"/>
           </a:p>
@@ -3323,10 +3445,10 @@
       </p:grpSpPr>
       <p:sp>
         <p:nvSpPr>
-          <p:cNvPr id="11" name="Rechteck 10">
-            <a:extLst>
-              <a:ext uri="{FF2B5EF4-FFF2-40B4-BE49-F238E27FC236}">
-                <a16:creationId xmlns:a16="http://schemas.microsoft.com/office/drawing/2014/main" id="{89F8725F-E068-974C-0875-23D3EC73EE05}"/>
+          <p:cNvPr id="4" name="Rechteck: abgerundete Ecken 3">
+            <a:extLst>
+              <a:ext uri="{FF2B5EF4-FFF2-40B4-BE49-F238E27FC236}">
+                <a16:creationId xmlns:a16="http://schemas.microsoft.com/office/drawing/2014/main" id="{29C679AC-FCDC-FA2A-EA2D-70C56702404B}"/>
               </a:ext>
             </a:extLst>
           </p:cNvPr>
@@ -3335,7 +3457,67 @@
         </p:nvSpPr>
         <p:spPr>
           <a:xfrm>
-            <a:off x="-281183" y="3664096"/>
+            <a:off x="628650" y="2190750"/>
+            <a:ext cx="10991850" cy="2480327"/>
+          </a:xfrm>
+          <a:prstGeom prst="roundRect">
+            <a:avLst/>
+          </a:prstGeom>
+          <a:gradFill>
+            <a:gsLst>
+              <a:gs pos="0">
+                <a:srgbClr val="1A1A1A"/>
+              </a:gs>
+              <a:gs pos="100000">
+                <a:srgbClr val="2A2A29"/>
+              </a:gs>
+            </a:gsLst>
+            <a:lin ang="5400000" scaled="0"/>
+          </a:gradFill>
+          <a:ln>
+            <a:noFill/>
+          </a:ln>
+        </p:spPr>
+        <p:style>
+          <a:lnRef idx="2">
+            <a:schemeClr val="accent1">
+              <a:shade val="15000"/>
+            </a:schemeClr>
+          </a:lnRef>
+          <a:fillRef idx="1">
+            <a:schemeClr val="accent1"/>
+          </a:fillRef>
+          <a:effectRef idx="0">
+            <a:schemeClr val="accent1"/>
+          </a:effectRef>
+          <a:fontRef idx="minor">
+            <a:schemeClr val="lt1"/>
+          </a:fontRef>
+        </p:style>
+        <p:txBody>
+          <a:bodyPr rtlCol="0" anchor="ctr"/>
+          <a:lstStyle/>
+          <a:p>
+            <a:pPr algn="ctr"/>
+            <a:endParaRPr lang="de-DE"/>
+          </a:p>
+        </p:txBody>
+      </p:sp>
+      <p:sp>
+        <p:nvSpPr>
+          <p:cNvPr id="11" name="Rechteck 10">
+            <a:extLst>
+              <a:ext uri="{FF2B5EF4-FFF2-40B4-BE49-F238E27FC236}">
+                <a16:creationId xmlns:a16="http://schemas.microsoft.com/office/drawing/2014/main" id="{89F8725F-E068-974C-0875-23D3EC73EE05}"/>
+              </a:ext>
+            </a:extLst>
+          </p:cNvPr>
+          <p:cNvSpPr/>
+          <p:nvPr/>
+        </p:nvSpPr>
+        <p:spPr>
+          <a:xfrm>
+            <a:off x="1538092" y="6254896"/>
             <a:ext cx="12192000" cy="6858000"/>
           </a:xfrm>
           <a:prstGeom prst="rect">
@@ -3384,7 +3566,7 @@
             <a:off x="900589" y="2268549"/>
             <a:ext cx="3110452" cy="2402528"/>
             <a:chOff x="324253" y="719848"/>
-            <a:chExt cx="5434375" cy="4147254"/>
+            <a:chExt cx="5434376" cy="4147254"/>
           </a:xfrm>
           <a:effectLst>
             <a:outerShdw blurRad="88900" dist="50800" dir="2700000" algn="tl" rotWithShape="0">
@@ -3407,7 +3589,7 @@
           <p:spPr>
             <a:xfrm>
               <a:off x="324253" y="719848"/>
-              <a:ext cx="3375355" cy="2762683"/>
+              <a:ext cx="3375356" cy="2762683"/>
             </a:xfrm>
             <a:prstGeom prst="rect">
               <a:avLst/>
@@ -3430,7 +3612,7 @@
               <a:r>
                 <a:rPr lang="de-DE" sz="9800" dirty="0">
                   <a:solidFill>
-                    <a:srgbClr val="FFFF00"/>
+                    <a:srgbClr val="92D050"/>
                   </a:solidFill>
                   <a:latin typeface="Induction" pitchFamily="2" charset="0"/>
                 </a:rPr>
@@ -3454,7 +3636,7 @@
           <p:spPr>
             <a:xfrm>
               <a:off x="2383273" y="2104419"/>
-              <a:ext cx="3375355" cy="2762683"/>
+              <a:ext cx="3375356" cy="2762683"/>
             </a:xfrm>
             <a:prstGeom prst="rect">
               <a:avLst/>
@@ -3477,7 +3659,7 @@
               <a:r>
                 <a:rPr lang="de-DE" sz="9800" dirty="0">
                   <a:solidFill>
-                    <a:srgbClr val="FFFF00"/>
+                    <a:srgbClr val="92D050"/>
                   </a:solidFill>
                   <a:latin typeface="Induction" pitchFamily="2" charset="0"/>
                 </a:rPr>
@@ -3547,7 +3729,7 @@
         </p:nvSpPr>
         <p:spPr>
           <a:xfrm>
-            <a:off x="4032265" y="3361526"/>
+            <a:off x="4070881" y="3052677"/>
             <a:ext cx="6311265" cy="1138773"/>
           </a:xfrm>
           <a:prstGeom prst="rect">
@@ -3569,7 +3751,7 @@
             <a:r>
               <a:rPr lang="de-DE" sz="3400" dirty="0">
                 <a:solidFill>
-                  <a:srgbClr val="FFFF00"/>
+                  <a:srgbClr val="92D050"/>
                 </a:solidFill>
                 <a:latin typeface="Induction" pitchFamily="2" charset="0"/>
               </a:rPr>
@@ -3578,7 +3760,7 @@
             <a:r>
               <a:rPr lang="de-DE" sz="3200" dirty="0">
                 <a:solidFill>
-                  <a:srgbClr val="FFFF00"/>
+                  <a:srgbClr val="92D050"/>
                 </a:solidFill>
                 <a:latin typeface="Induction" pitchFamily="2" charset="0"/>
               </a:rPr>
@@ -3587,12 +3769,58 @@
           </a:p>
         </p:txBody>
       </p:sp>
+      <p:sp>
+        <p:nvSpPr>
+          <p:cNvPr id="14" name="Textfeld 13">
+            <a:extLst>
+              <a:ext uri="{FF2B5EF4-FFF2-40B4-BE49-F238E27FC236}">
+                <a16:creationId xmlns:a16="http://schemas.microsoft.com/office/drawing/2014/main" id="{2F836C5E-84AF-C32B-10B2-24E3C508D7E4}"/>
+              </a:ext>
+            </a:extLst>
+          </p:cNvPr>
+          <p:cNvSpPr txBox="1"/>
+          <p:nvPr/>
+        </p:nvSpPr>
+        <p:spPr>
+          <a:xfrm>
+            <a:off x="4117519" y="4145555"/>
+            <a:ext cx="7434603" cy="446276"/>
+          </a:xfrm>
+          <a:prstGeom prst="rect">
+            <a:avLst/>
+          </a:prstGeom>
+          <a:noFill/>
+          <a:effectLst>
+            <a:outerShdw blurRad="88900" dist="50800" dir="2700000" algn="tl" rotWithShape="0">
+              <a:schemeClr val="tx1"/>
+            </a:outerShdw>
+          </a:effectLst>
+        </p:spPr>
+        <p:txBody>
+          <a:bodyPr wrap="square" rtlCol="0">
+            <a:spAutoFit/>
+          </a:bodyPr>
+          <a:lstStyle/>
+          <a:p>
+            <a:r>
+              <a:rPr lang="de-DE" sz="2250" b="1" dirty="0">
+                <a:solidFill>
+                  <a:schemeClr val="bg1"/>
+                </a:solidFill>
+                <a:latin typeface="Microsoft YaHei UI" panose="020B0503020204020204" pitchFamily="34" charset="-122"/>
+                <a:ea typeface="Microsoft YaHei UI" panose="020B0503020204020204" pitchFamily="34" charset="-122"/>
+              </a:rPr>
+              <a:t>http://electronic-green-room.de/skin</a:t>
+            </a:r>
+          </a:p>
+        </p:txBody>
+      </p:sp>
       <p:pic>
         <p:nvPicPr>
-          <p:cNvPr id="13" name="Grafik 12">
-            <a:extLst>
-              <a:ext uri="{FF2B5EF4-FFF2-40B4-BE49-F238E27FC236}">
-                <a16:creationId xmlns:a16="http://schemas.microsoft.com/office/drawing/2014/main" id="{7562A685-3551-54D8-23D2-0FAAA9C59327}"/>
+          <p:cNvPr id="16" name="Grafik 15">
+            <a:extLst>
+              <a:ext uri="{FF2B5EF4-FFF2-40B4-BE49-F238E27FC236}">
+                <a16:creationId xmlns:a16="http://schemas.microsoft.com/office/drawing/2014/main" id="{30A8D2D8-9DDE-9C10-4E5D-365566715F25}"/>
               </a:ext>
             </a:extLst>
           </p:cNvPr>
@@ -3618,17 +3846,12 @@
         </p:blipFill>
         <p:spPr>
           <a:xfrm>
-            <a:off x="9756476" y="3094760"/>
-            <a:ext cx="1405540" cy="1405540"/>
+            <a:off x="9843826" y="3196680"/>
+            <a:ext cx="1289595" cy="1289595"/>
           </a:xfrm>
           <a:prstGeom prst="rect">
             <a:avLst/>
           </a:prstGeom>
-          <a:effectLst>
-            <a:outerShdw blurRad="88900" dist="50800" dir="2700000" algn="tl" rotWithShape="0">
-              <a:schemeClr val="tx1"/>
-            </a:outerShdw>
-          </a:effectLst>
         </p:spPr>
       </p:pic>
     </p:spTree>
